--- a/banks4climate.pptx
+++ b/banks4climate.pptx
@@ -5,14 +5,16 @@
     <p:sldMasterId id="2147483660" r:id="rId4"/>
   </p:sldMasterIdLst>
   <p:notesMasterIdLst>
-    <p:notesMasterId r:id="rId7"/>
+    <p:notesMasterId r:id="rId9"/>
   </p:notesMasterIdLst>
   <p:handoutMasterIdLst>
-    <p:handoutMasterId r:id="rId8"/>
+    <p:handoutMasterId r:id="rId10"/>
   </p:handoutMasterIdLst>
   <p:sldIdLst>
-    <p:sldId id="259" r:id="rId5"/>
-    <p:sldId id="258" r:id="rId6"/>
+    <p:sldId id="258" r:id="rId5"/>
+    <p:sldId id="260" r:id="rId6"/>
+    <p:sldId id="261" r:id="rId7"/>
+    <p:sldId id="262" r:id="rId8"/>
   </p:sldIdLst>
   <p:sldSz cx="6858000" cy="9144000" type="screen4x3"/>
   <p:notesSz cx="6858000" cy="9144000"/>
@@ -757,7 +759,7 @@
             <a:pPr rtl="0"/>
             <a:fld id="{C8136092-2EDF-47BF-99B1-B87430F95B70}" type="slidenum">
               <a:rPr lang="en-GB" smtClean="0"/>
-              <a:t>2</a:t>
+              <a:t>1</a:t>
             </a:fld>
             <a:endParaRPr lang="en-GB" dirty="0"/>
           </a:p>
@@ -1521,440 +1523,6 @@
 </file>
 
 <file path=ppt/slides/slide1.xml><?xml version="1.0" encoding="utf-8"?>
-<p:sld xmlns:a="http://schemas.openxmlformats.org/drawingml/2006/main" xmlns:r="http://schemas.openxmlformats.org/officeDocument/2006/relationships" xmlns:p="http://schemas.openxmlformats.org/presentationml/2006/main">
-  <p:cSld>
-    <p:spTree>
-      <p:nvGrpSpPr>
-        <p:cNvPr id="1" name=""/>
-        <p:cNvGrpSpPr/>
-        <p:nvPr/>
-      </p:nvGrpSpPr>
-      <p:grpSpPr>
-        <a:xfrm>
-          <a:off x="0" y="0"/>
-          <a:ext cx="0" cy="0"/>
-          <a:chOff x="0" y="0"/>
-          <a:chExt cx="0" cy="0"/>
-        </a:xfrm>
-      </p:grpSpPr>
-      <p:sp>
-        <p:nvSpPr>
-          <p:cNvPr id="2" name="Text Placeholder 1">
-            <a:extLst>
-              <a:ext uri="{FF2B5EF4-FFF2-40B4-BE49-F238E27FC236}">
-                <a16:creationId xmlns:a16="http://schemas.microsoft.com/office/drawing/2014/main" id="{D8629189-D179-264E-82B9-5C116B69C838}"/>
-              </a:ext>
-            </a:extLst>
-          </p:cNvPr>
-          <p:cNvSpPr>
-            <a:spLocks noGrp="1"/>
-          </p:cNvSpPr>
-          <p:nvPr>
-            <p:ph type="body" sz="quarter" idx="10"/>
-          </p:nvPr>
-        </p:nvSpPr>
-        <p:spPr/>
-        <p:txBody>
-          <a:bodyPr/>
-          <a:lstStyle/>
-          <a:p>
-            <a:endParaRPr lang="en-US"/>
-          </a:p>
-        </p:txBody>
-      </p:sp>
-      <p:sp>
-        <p:nvSpPr>
-          <p:cNvPr id="3" name="Title 2">
-            <a:extLst>
-              <a:ext uri="{FF2B5EF4-FFF2-40B4-BE49-F238E27FC236}">
-                <a16:creationId xmlns:a16="http://schemas.microsoft.com/office/drawing/2014/main" id="{F4AF6B3D-7BC7-A440-A84D-8E70DB8F276F}"/>
-              </a:ext>
-            </a:extLst>
-          </p:cNvPr>
-          <p:cNvSpPr>
-            <a:spLocks noGrp="1"/>
-          </p:cNvSpPr>
-          <p:nvPr>
-            <p:ph type="title"/>
-          </p:nvPr>
-        </p:nvSpPr>
-        <p:spPr/>
-        <p:txBody>
-          <a:bodyPr/>
-          <a:lstStyle/>
-          <a:p>
-            <a:r>
-              <a:rPr lang="en-US" sz="4000" dirty="0"/>
-              <a:t>OUR WORLD IN DATA</a:t>
-            </a:r>
-          </a:p>
-        </p:txBody>
-      </p:sp>
-      <p:sp>
-        <p:nvSpPr>
-          <p:cNvPr id="4" name="Rectangle 3">
-            <a:extLst>
-              <a:ext uri="{FF2B5EF4-FFF2-40B4-BE49-F238E27FC236}">
-                <a16:creationId xmlns:a16="http://schemas.microsoft.com/office/drawing/2014/main" id="{A4D96DAF-AB98-5849-ADB7-92CFE6F9B4D5}"/>
-              </a:ext>
-            </a:extLst>
-          </p:cNvPr>
-          <p:cNvSpPr/>
-          <p:nvPr/>
-        </p:nvSpPr>
-        <p:spPr>
-          <a:xfrm>
-            <a:off x="597459" y="1787107"/>
-            <a:ext cx="5711715" cy="6986528"/>
-          </a:xfrm>
-          <a:prstGeom prst="rect">
-            <a:avLst/>
-          </a:prstGeom>
-        </p:spPr>
-        <p:txBody>
-          <a:bodyPr wrap="square">
-            <a:spAutoFit/>
-          </a:bodyPr>
-          <a:lstStyle/>
-          <a:p>
-            <a:pPr>
-              <a:buFont typeface="Arial" panose="020B0604020202020204" pitchFamily="34" charset="0"/>
-              <a:buChar char="•"/>
-            </a:pPr>
-            <a:r>
-              <a:rPr lang="en-GB" sz="1400" b="1" dirty="0">
-                <a:solidFill>
-                  <a:schemeClr val="bg1"/>
-                </a:solidFill>
-                <a:latin typeface="Lato"/>
-              </a:rPr>
-              <a:t>No climate policies</a:t>
-            </a:r>
-            <a:r>
-              <a:rPr lang="en-GB" sz="1400" dirty="0">
-                <a:solidFill>
-                  <a:schemeClr val="bg1"/>
-                </a:solidFill>
-                <a:latin typeface="Lato"/>
-              </a:rPr>
-              <a:t>: projected future emissions if no climate policies were implemented; this would result in an estimated 4.1 to 4.8°C warming by 2100 (relative to pre-industrial temperatures);</a:t>
-            </a:r>
-          </a:p>
-          <a:p>
-            <a:pPr>
-              <a:buFont typeface="Arial" panose="020B0604020202020204" pitchFamily="34" charset="0"/>
-              <a:buChar char="•"/>
-            </a:pPr>
-            <a:endParaRPr lang="en-GB" sz="1400" dirty="0">
-              <a:solidFill>
-                <a:schemeClr val="bg1"/>
-              </a:solidFill>
-              <a:latin typeface="Lato"/>
-            </a:endParaRPr>
-          </a:p>
-          <a:p>
-            <a:pPr>
-              <a:buFont typeface="Arial" panose="020B0604020202020204" pitchFamily="34" charset="0"/>
-              <a:buChar char="•"/>
-            </a:pPr>
-            <a:r>
-              <a:rPr lang="en-GB" sz="1400" b="1" dirty="0">
-                <a:solidFill>
-                  <a:schemeClr val="bg1"/>
-                </a:solidFill>
-                <a:latin typeface="Lato"/>
-              </a:rPr>
-              <a:t>Current climate policies</a:t>
-            </a:r>
-            <a:r>
-              <a:rPr lang="en-GB" sz="1400" dirty="0">
-                <a:solidFill>
-                  <a:schemeClr val="bg1"/>
-                </a:solidFill>
-                <a:latin typeface="Lato"/>
-              </a:rPr>
-              <a:t>: projected warming of 2.8 to 3.2°C by 2100 based on current implemented climate policies;</a:t>
-            </a:r>
-          </a:p>
-          <a:p>
-            <a:pPr>
-              <a:buFont typeface="Arial" panose="020B0604020202020204" pitchFamily="34" charset="0"/>
-              <a:buChar char="•"/>
-            </a:pPr>
-            <a:endParaRPr lang="en-GB" sz="1400" dirty="0">
-              <a:solidFill>
-                <a:schemeClr val="bg1"/>
-              </a:solidFill>
-              <a:latin typeface="Lato"/>
-            </a:endParaRPr>
-          </a:p>
-          <a:p>
-            <a:pPr>
-              <a:buFont typeface="Arial" panose="020B0604020202020204" pitchFamily="34" charset="0"/>
-              <a:buChar char="•"/>
-            </a:pPr>
-            <a:r>
-              <a:rPr lang="en-GB" sz="1400" b="1" dirty="0">
-                <a:solidFill>
-                  <a:schemeClr val="bg1"/>
-                </a:solidFill>
-                <a:latin typeface="Lato"/>
-              </a:rPr>
-              <a:t>National pledges</a:t>
-            </a:r>
-            <a:r>
-              <a:rPr lang="en-GB" sz="1400" dirty="0">
-                <a:solidFill>
-                  <a:schemeClr val="bg1"/>
-                </a:solidFill>
-                <a:latin typeface="Lato"/>
-              </a:rPr>
-              <a:t>: if all countries achieve their current targets/pledges set within the Paris climate agreement, it’s estimated average warming by 2100 will be 2.5 to 2.8°C. This will go well beyond the overall target of the Paris Agreement to keep warming “well below 2°C”.</a:t>
-            </a:r>
-          </a:p>
-          <a:p>
-            <a:pPr>
-              <a:buFont typeface="Arial" panose="020B0604020202020204" pitchFamily="34" charset="0"/>
-              <a:buChar char="•"/>
-            </a:pPr>
-            <a:endParaRPr lang="en-GB" sz="1400" dirty="0">
-              <a:solidFill>
-                <a:schemeClr val="bg1"/>
-              </a:solidFill>
-              <a:latin typeface="Lato"/>
-            </a:endParaRPr>
-          </a:p>
-          <a:p>
-            <a:pPr>
-              <a:buFont typeface="Arial" panose="020B0604020202020204" pitchFamily="34" charset="0"/>
-              <a:buChar char="•"/>
-            </a:pPr>
-            <a:r>
-              <a:rPr lang="en-GB" sz="1400" b="1" dirty="0">
-                <a:solidFill>
-                  <a:schemeClr val="bg1"/>
-                </a:solidFill>
-                <a:latin typeface="Lato"/>
-              </a:rPr>
-              <a:t>2°C consistent</a:t>
-            </a:r>
-            <a:r>
-              <a:rPr lang="en-GB" sz="1400" dirty="0">
-                <a:solidFill>
-                  <a:schemeClr val="bg1"/>
-                </a:solidFill>
-                <a:latin typeface="Lato"/>
-              </a:rPr>
-              <a:t>: there are a range of emissions pathways that would be compatible with limiting average warming to 2°C by 2100. This would require a significant increase in ambition of the current pledges within the Paris Agreement.</a:t>
-            </a:r>
-          </a:p>
-          <a:p>
-            <a:pPr>
-              <a:buFont typeface="Arial" panose="020B0604020202020204" pitchFamily="34" charset="0"/>
-              <a:buChar char="•"/>
-            </a:pPr>
-            <a:endParaRPr lang="en-GB" sz="1400" dirty="0">
-              <a:solidFill>
-                <a:schemeClr val="bg1"/>
-              </a:solidFill>
-              <a:latin typeface="Lato"/>
-            </a:endParaRPr>
-          </a:p>
-          <a:p>
-            <a:pPr>
-              <a:buFont typeface="Arial" panose="020B0604020202020204" pitchFamily="34" charset="0"/>
-              <a:buChar char="•"/>
-            </a:pPr>
-            <a:r>
-              <a:rPr lang="en-GB" sz="1400" b="1" dirty="0">
-                <a:solidFill>
-                  <a:schemeClr val="bg1"/>
-                </a:solidFill>
-                <a:latin typeface="Lato"/>
-              </a:rPr>
-              <a:t>1.5°C consistent</a:t>
-            </a:r>
-            <a:r>
-              <a:rPr lang="en-GB" sz="1400" dirty="0">
-                <a:solidFill>
-                  <a:schemeClr val="bg1"/>
-                </a:solidFill>
-                <a:latin typeface="Lato"/>
-              </a:rPr>
-              <a:t>: there are a range of emissions pathways that would be compatible with limiting average warming to 1.5°C by 2100. However, all would require a very urgent and rapid reduction in global greenhouse gas emissions.</a:t>
-            </a:r>
-          </a:p>
-          <a:p>
-            <a:pPr>
-              <a:buFont typeface="Arial" panose="020B0604020202020204" pitchFamily="34" charset="0"/>
-              <a:buChar char="•"/>
-            </a:pPr>
-            <a:endParaRPr lang="en-GB" sz="1400" b="0" i="0" dirty="0">
-              <a:solidFill>
-                <a:schemeClr val="bg1"/>
-              </a:solidFill>
-              <a:effectLst/>
-              <a:latin typeface="Lato"/>
-            </a:endParaRPr>
-          </a:p>
-          <a:p>
-            <a:pPr>
-              <a:buFont typeface="Arial" panose="020B0604020202020204" pitchFamily="34" charset="0"/>
-              <a:buChar char="•"/>
-            </a:pPr>
-            <a:endParaRPr lang="en-GB" sz="1400" dirty="0">
-              <a:solidFill>
-                <a:schemeClr val="bg1"/>
-              </a:solidFill>
-              <a:latin typeface="Lato"/>
-            </a:endParaRPr>
-          </a:p>
-          <a:p>
-            <a:pPr>
-              <a:buFont typeface="Arial" panose="020B0604020202020204" pitchFamily="34" charset="0"/>
-              <a:buChar char="•"/>
-            </a:pPr>
-            <a:endParaRPr lang="en-GB" sz="1400" b="0" i="0" dirty="0">
-              <a:solidFill>
-                <a:schemeClr val="bg1"/>
-              </a:solidFill>
-              <a:effectLst/>
-              <a:latin typeface="Lato"/>
-            </a:endParaRPr>
-          </a:p>
-          <a:p>
-            <a:pPr>
-              <a:buFont typeface="Arial" panose="020B0604020202020204" pitchFamily="34" charset="0"/>
-              <a:buChar char="•"/>
-            </a:pPr>
-            <a:endParaRPr lang="en-GB" sz="1400" dirty="0">
-              <a:solidFill>
-                <a:schemeClr val="bg1"/>
-              </a:solidFill>
-              <a:latin typeface="Lato"/>
-            </a:endParaRPr>
-          </a:p>
-          <a:p>
-            <a:pPr>
-              <a:buFont typeface="Arial" panose="020B0604020202020204" pitchFamily="34" charset="0"/>
-              <a:buChar char="•"/>
-            </a:pPr>
-            <a:endParaRPr lang="en-GB" sz="1400" b="0" i="0" dirty="0">
-              <a:solidFill>
-                <a:schemeClr val="bg1"/>
-              </a:solidFill>
-              <a:effectLst/>
-              <a:latin typeface="Lato"/>
-            </a:endParaRPr>
-          </a:p>
-          <a:p>
-            <a:pPr>
-              <a:buFont typeface="Arial" panose="020B0604020202020204" pitchFamily="34" charset="0"/>
-              <a:buChar char="•"/>
-            </a:pPr>
-            <a:endParaRPr lang="en-GB" sz="1400" dirty="0">
-              <a:solidFill>
-                <a:schemeClr val="bg1"/>
-              </a:solidFill>
-              <a:latin typeface="Lato"/>
-            </a:endParaRPr>
-          </a:p>
-          <a:p>
-            <a:pPr>
-              <a:buFont typeface="Arial" panose="020B0604020202020204" pitchFamily="34" charset="0"/>
-              <a:buChar char="•"/>
-            </a:pPr>
-            <a:endParaRPr lang="en-GB" sz="1400" b="0" i="0" dirty="0">
-              <a:solidFill>
-                <a:schemeClr val="bg1"/>
-              </a:solidFill>
-              <a:effectLst/>
-              <a:latin typeface="Lato"/>
-            </a:endParaRPr>
-          </a:p>
-          <a:p>
-            <a:pPr>
-              <a:buFont typeface="Arial" panose="020B0604020202020204" pitchFamily="34" charset="0"/>
-              <a:buChar char="•"/>
-            </a:pPr>
-            <a:endParaRPr lang="en-GB" sz="1400" b="0" i="0" dirty="0">
-              <a:solidFill>
-                <a:schemeClr val="bg1"/>
-              </a:solidFill>
-              <a:effectLst/>
-              <a:latin typeface="Lato"/>
-            </a:endParaRPr>
-          </a:p>
-          <a:p>
-            <a:pPr>
-              <a:buFont typeface="Arial" panose="020B0604020202020204" pitchFamily="34" charset="0"/>
-              <a:buChar char="•"/>
-            </a:pPr>
-            <a:endParaRPr lang="en-GB" sz="1400" dirty="0">
-              <a:solidFill>
-                <a:schemeClr val="bg1"/>
-              </a:solidFill>
-              <a:latin typeface="Lato"/>
-            </a:endParaRPr>
-          </a:p>
-          <a:p>
-            <a:pPr>
-              <a:buFont typeface="Arial" panose="020B0604020202020204" pitchFamily="34" charset="0"/>
-              <a:buChar char="•"/>
-            </a:pPr>
-            <a:r>
-              <a:rPr lang="en-GB" sz="1400" b="0" i="0" dirty="0">
-                <a:solidFill>
-                  <a:schemeClr val="bg1"/>
-                </a:solidFill>
-                <a:effectLst/>
-                <a:latin typeface="Lato"/>
-              </a:rPr>
-              <a:t>Reference: </a:t>
-            </a:r>
-            <a:r>
-              <a:rPr lang="en-GB" sz="1400" dirty="0">
-                <a:solidFill>
-                  <a:schemeClr val="bg1"/>
-                </a:solidFill>
-                <a:latin typeface="Lato"/>
-                <a:hlinkClick r:id="rId2"/>
-              </a:rPr>
-              <a:t>https://ourworldindata.org/future-emissions</a:t>
-            </a:r>
-            <a:r>
-              <a:rPr lang="en-GB" sz="1400" dirty="0">
-                <a:solidFill>
-                  <a:schemeClr val="bg1"/>
-                </a:solidFill>
-                <a:latin typeface="Lato"/>
-              </a:rPr>
-              <a:t> </a:t>
-            </a:r>
-            <a:endParaRPr lang="en-GB" sz="1400" b="0" i="0" dirty="0">
-              <a:solidFill>
-                <a:schemeClr val="bg1"/>
-              </a:solidFill>
-              <a:effectLst/>
-              <a:latin typeface="Lato"/>
-            </a:endParaRPr>
-          </a:p>
-        </p:txBody>
-      </p:sp>
-    </p:spTree>
-    <p:extLst>
-      <p:ext uri="{BB962C8B-B14F-4D97-AF65-F5344CB8AC3E}">
-        <p14:creationId xmlns:p14="http://schemas.microsoft.com/office/powerpoint/2010/main" val="2422273627"/>
-      </p:ext>
-    </p:extLst>
-  </p:cSld>
-  <p:clrMapOvr>
-    <a:masterClrMapping/>
-  </p:clrMapOvr>
-</p:sld>
-</file>
-
-<file path=ppt/slides/slide2.xml><?xml version="1.0" encoding="utf-8"?>
 <p:sld xmlns:a="http://schemas.openxmlformats.org/drawingml/2006/main" xmlns:r="http://schemas.openxmlformats.org/officeDocument/2006/relationships" xmlns:p="http://schemas.openxmlformats.org/presentationml/2006/main" show="0">
   <p:cSld>
     <p:spTree>
@@ -11563,6 +11131,920 @@
 </p:sld>
 </file>
 
+<file path=ppt/slides/slide2.xml><?xml version="1.0" encoding="utf-8"?>
+<p:sld xmlns:a="http://schemas.openxmlformats.org/drawingml/2006/main" xmlns:r="http://schemas.openxmlformats.org/officeDocument/2006/relationships" xmlns:p="http://schemas.openxmlformats.org/presentationml/2006/main">
+  <p:cSld>
+    <p:spTree>
+      <p:nvGrpSpPr>
+        <p:cNvPr id="1" name=""/>
+        <p:cNvGrpSpPr/>
+        <p:nvPr/>
+      </p:nvGrpSpPr>
+      <p:grpSpPr>
+        <a:xfrm>
+          <a:off x="0" y="0"/>
+          <a:ext cx="0" cy="0"/>
+          <a:chOff x="0" y="0"/>
+          <a:chExt cx="0" cy="0"/>
+        </a:xfrm>
+      </p:grpSpPr>
+      <p:sp>
+        <p:nvSpPr>
+          <p:cNvPr id="2" name="Text Placeholder 1">
+            <a:extLst>
+              <a:ext uri="{FF2B5EF4-FFF2-40B4-BE49-F238E27FC236}">
+                <a16:creationId xmlns:a16="http://schemas.microsoft.com/office/drawing/2014/main" id="{91DEF144-D57A-2244-BECD-E2EDFD9872F9}"/>
+              </a:ext>
+            </a:extLst>
+          </p:cNvPr>
+          <p:cNvSpPr>
+            <a:spLocks noGrp="1"/>
+          </p:cNvSpPr>
+          <p:nvPr>
+            <p:ph type="body" sz="quarter" idx="10"/>
+          </p:nvPr>
+        </p:nvSpPr>
+        <p:spPr/>
+        <p:txBody>
+          <a:bodyPr/>
+          <a:lstStyle/>
+          <a:p>
+            <a:endParaRPr lang="en-US"/>
+          </a:p>
+        </p:txBody>
+      </p:sp>
+      <p:sp>
+        <p:nvSpPr>
+          <p:cNvPr id="3" name="Title 2">
+            <a:extLst>
+              <a:ext uri="{FF2B5EF4-FFF2-40B4-BE49-F238E27FC236}">
+                <a16:creationId xmlns:a16="http://schemas.microsoft.com/office/drawing/2014/main" id="{D57E91AB-EF43-A543-9A8D-BC082B4C6987}"/>
+              </a:ext>
+            </a:extLst>
+          </p:cNvPr>
+          <p:cNvSpPr>
+            <a:spLocks noGrp="1"/>
+          </p:cNvSpPr>
+          <p:nvPr>
+            <p:ph type="title"/>
+          </p:nvPr>
+        </p:nvSpPr>
+        <p:spPr/>
+        <p:txBody>
+          <a:bodyPr/>
+          <a:lstStyle/>
+          <a:p>
+            <a:endParaRPr lang="en-US"/>
+          </a:p>
+        </p:txBody>
+      </p:sp>
+      <p:sp>
+        <p:nvSpPr>
+          <p:cNvPr id="4" name="TextBox 3">
+            <a:extLst>
+              <a:ext uri="{FF2B5EF4-FFF2-40B4-BE49-F238E27FC236}">
+                <a16:creationId xmlns:a16="http://schemas.microsoft.com/office/drawing/2014/main" id="{3C20AD18-E40E-144B-AA54-230198B8A47F}"/>
+              </a:ext>
+            </a:extLst>
+          </p:cNvPr>
+          <p:cNvSpPr txBox="1"/>
+          <p:nvPr/>
+        </p:nvSpPr>
+        <p:spPr>
+          <a:xfrm>
+            <a:off x="1095008" y="2171343"/>
+            <a:ext cx="5147187" cy="5632311"/>
+          </a:xfrm>
+          <a:prstGeom prst="rect">
+            <a:avLst/>
+          </a:prstGeom>
+          <a:noFill/>
+        </p:spPr>
+        <p:txBody>
+          <a:bodyPr wrap="square" rtlCol="0">
+            <a:spAutoFit/>
+          </a:bodyPr>
+          <a:lstStyle/>
+          <a:p>
+            <a:r>
+              <a:rPr lang="en-GB" b="1" dirty="0">
+                <a:solidFill>
+                  <a:schemeClr val="bg1"/>
+                </a:solidFill>
+              </a:rPr>
+              <a:t>Results </a:t>
+            </a:r>
+          </a:p>
+          <a:p>
+            <a:endParaRPr lang="en-GB" b="1" dirty="0">
+              <a:solidFill>
+                <a:schemeClr val="bg1"/>
+              </a:solidFill>
+            </a:endParaRPr>
+          </a:p>
+          <a:p>
+            <a:r>
+              <a:rPr lang="en-GB" dirty="0">
+                <a:solidFill>
+                  <a:schemeClr val="bg1"/>
+                </a:solidFill>
+              </a:rPr>
+              <a:t>The end function takes 4 arguments</a:t>
+            </a:r>
+          </a:p>
+          <a:p>
+            <a:pPr marL="285750" indent="-285750">
+              <a:buFont typeface="Arial" panose="020B0604020202020204" pitchFamily="34" charset="0"/>
+              <a:buChar char="•"/>
+            </a:pPr>
+            <a:r>
+              <a:rPr lang="en-GB" dirty="0">
+                <a:solidFill>
+                  <a:schemeClr val="bg1"/>
+                </a:solidFill>
+              </a:rPr>
+              <a:t>Company Name</a:t>
+            </a:r>
+          </a:p>
+          <a:p>
+            <a:pPr marL="285750" indent="-285750">
+              <a:buFont typeface="Arial" panose="020B0604020202020204" pitchFamily="34" charset="0"/>
+              <a:buChar char="•"/>
+            </a:pPr>
+            <a:r>
+              <a:rPr lang="en-GB" dirty="0">
+                <a:solidFill>
+                  <a:schemeClr val="bg1"/>
+                </a:solidFill>
+              </a:rPr>
+              <a:t>Company Revenue</a:t>
+            </a:r>
+          </a:p>
+          <a:p>
+            <a:pPr marL="285750" indent="-285750">
+              <a:buFont typeface="Arial" panose="020B0604020202020204" pitchFamily="34" charset="0"/>
+              <a:buChar char="•"/>
+            </a:pPr>
+            <a:r>
+              <a:rPr lang="en-GB" dirty="0">
+                <a:solidFill>
+                  <a:schemeClr val="bg1"/>
+                </a:solidFill>
+              </a:rPr>
+              <a:t>Company's Annual Emissions in Metric Tons</a:t>
+            </a:r>
+          </a:p>
+          <a:p>
+            <a:pPr marL="285750" indent="-285750">
+              <a:buFont typeface="Arial" panose="020B0604020202020204" pitchFamily="34" charset="0"/>
+              <a:buChar char="•"/>
+            </a:pPr>
+            <a:r>
+              <a:rPr lang="en-GB" dirty="0">
+                <a:solidFill>
+                  <a:schemeClr val="bg1"/>
+                </a:solidFill>
+              </a:rPr>
+              <a:t>Company's Country</a:t>
+            </a:r>
+          </a:p>
+          <a:p>
+            <a:pPr marL="285750" indent="-285750">
+              <a:buFont typeface="Arial" panose="020B0604020202020204" pitchFamily="34" charset="0"/>
+              <a:buChar char="•"/>
+            </a:pPr>
+            <a:endParaRPr lang="en-GB" dirty="0">
+              <a:solidFill>
+                <a:schemeClr val="bg1"/>
+              </a:solidFill>
+            </a:endParaRPr>
+          </a:p>
+          <a:p>
+            <a:r>
+              <a:rPr lang="en-GB" dirty="0">
+                <a:solidFill>
+                  <a:schemeClr val="bg1"/>
+                </a:solidFill>
+              </a:rPr>
+              <a:t>It gives an estimation of the carbon tax to be paid by a particular company and also gives a </a:t>
+            </a:r>
+            <a:r>
+              <a:rPr lang="en-GB" b="1" dirty="0">
+                <a:solidFill>
+                  <a:schemeClr val="bg1"/>
+                </a:solidFill>
+              </a:rPr>
+              <a:t>"Carbon Tax Score"</a:t>
+            </a:r>
+            <a:r>
+              <a:rPr lang="en-GB" dirty="0">
+                <a:solidFill>
+                  <a:schemeClr val="bg1"/>
+                </a:solidFill>
+              </a:rPr>
+              <a:t> which has been calculated based on the ratio between carbon tax and revenue.</a:t>
+            </a:r>
+          </a:p>
+          <a:p>
+            <a:endParaRPr lang="en-GB" dirty="0">
+              <a:solidFill>
+                <a:schemeClr val="bg1"/>
+              </a:solidFill>
+            </a:endParaRPr>
+          </a:p>
+          <a:p>
+            <a:r>
+              <a:rPr lang="en-GB" dirty="0">
+                <a:solidFill>
+                  <a:schemeClr val="bg1"/>
+                </a:solidFill>
+              </a:rPr>
+              <a:t>The "Carbon Tax Score" metrics are as follows. IF carbon taxes are</a:t>
+            </a:r>
+          </a:p>
+          <a:p>
+            <a:pPr marL="285750" indent="-285750">
+              <a:buFont typeface="Arial" panose="020B0604020202020204" pitchFamily="34" charset="0"/>
+              <a:buChar char="•"/>
+            </a:pPr>
+            <a:r>
+              <a:rPr lang="en-GB" dirty="0">
+                <a:solidFill>
+                  <a:schemeClr val="bg1"/>
+                </a:solidFill>
+              </a:rPr>
+              <a:t>Less than 1% of revenue </a:t>
+            </a:r>
+            <a:r>
+              <a:rPr lang="en-GB" b="1" dirty="0">
+                <a:solidFill>
+                  <a:schemeClr val="bg1"/>
+                </a:solidFill>
+              </a:rPr>
+              <a:t>A</a:t>
+            </a:r>
+            <a:endParaRPr lang="en-GB" dirty="0">
+              <a:solidFill>
+                <a:schemeClr val="bg1"/>
+              </a:solidFill>
+            </a:endParaRPr>
+          </a:p>
+          <a:p>
+            <a:pPr marL="285750" indent="-285750">
+              <a:buFont typeface="Arial" panose="020B0604020202020204" pitchFamily="34" charset="0"/>
+              <a:buChar char="•"/>
+            </a:pPr>
+            <a:r>
+              <a:rPr lang="en-GB" dirty="0">
+                <a:solidFill>
+                  <a:schemeClr val="bg1"/>
+                </a:solidFill>
+              </a:rPr>
+              <a:t>Less than 3% of revenue </a:t>
+            </a:r>
+            <a:r>
+              <a:rPr lang="en-GB" b="1" dirty="0">
+                <a:solidFill>
+                  <a:schemeClr val="bg1"/>
+                </a:solidFill>
+              </a:rPr>
+              <a:t>B</a:t>
+            </a:r>
+            <a:endParaRPr lang="en-GB" dirty="0">
+              <a:solidFill>
+                <a:schemeClr val="bg1"/>
+              </a:solidFill>
+            </a:endParaRPr>
+          </a:p>
+          <a:p>
+            <a:pPr marL="285750" indent="-285750">
+              <a:buFont typeface="Arial" panose="020B0604020202020204" pitchFamily="34" charset="0"/>
+              <a:buChar char="•"/>
+            </a:pPr>
+            <a:r>
+              <a:rPr lang="en-GB" dirty="0">
+                <a:solidFill>
+                  <a:schemeClr val="bg1"/>
+                </a:solidFill>
+              </a:rPr>
+              <a:t>Less than 5% of revenue </a:t>
+            </a:r>
+            <a:r>
+              <a:rPr lang="en-GB" b="1" dirty="0">
+                <a:solidFill>
+                  <a:schemeClr val="bg1"/>
+                </a:solidFill>
+              </a:rPr>
+              <a:t>C</a:t>
+            </a:r>
+            <a:endParaRPr lang="en-GB" dirty="0">
+              <a:solidFill>
+                <a:schemeClr val="bg1"/>
+              </a:solidFill>
+            </a:endParaRPr>
+          </a:p>
+          <a:p>
+            <a:pPr marL="285750" indent="-285750">
+              <a:buFont typeface="Arial" panose="020B0604020202020204" pitchFamily="34" charset="0"/>
+              <a:buChar char="•"/>
+            </a:pPr>
+            <a:r>
+              <a:rPr lang="en-GB" dirty="0">
+                <a:solidFill>
+                  <a:schemeClr val="bg1"/>
+                </a:solidFill>
+              </a:rPr>
+              <a:t>Less than 10% of </a:t>
+            </a:r>
+            <a:r>
+              <a:rPr lang="en-GB" dirty="0" err="1">
+                <a:solidFill>
+                  <a:schemeClr val="bg1"/>
+                </a:solidFill>
+              </a:rPr>
+              <a:t>revenue</a:t>
+            </a:r>
+            <a:r>
+              <a:rPr lang="en-GB" b="1" dirty="0" err="1">
+                <a:solidFill>
+                  <a:schemeClr val="bg1"/>
+                </a:solidFill>
+              </a:rPr>
+              <a:t>D</a:t>
+            </a:r>
+            <a:endParaRPr lang="en-GB" dirty="0">
+              <a:solidFill>
+                <a:schemeClr val="bg1"/>
+              </a:solidFill>
+            </a:endParaRPr>
+          </a:p>
+          <a:p>
+            <a:pPr marL="285750" indent="-285750">
+              <a:buFont typeface="Arial" panose="020B0604020202020204" pitchFamily="34" charset="0"/>
+              <a:buChar char="•"/>
+            </a:pPr>
+            <a:r>
+              <a:rPr lang="en-GB" dirty="0">
+                <a:solidFill>
+                  <a:schemeClr val="bg1"/>
+                </a:solidFill>
+              </a:rPr>
+              <a:t>Greater than 10% of revenue </a:t>
+            </a:r>
+            <a:r>
+              <a:rPr lang="en-GB" b="1" dirty="0">
+                <a:solidFill>
+                  <a:schemeClr val="bg1"/>
+                </a:solidFill>
+              </a:rPr>
+              <a:t>F</a:t>
+            </a:r>
+            <a:endParaRPr lang="en-GB" dirty="0">
+              <a:solidFill>
+                <a:schemeClr val="bg1"/>
+              </a:solidFill>
+            </a:endParaRPr>
+          </a:p>
+        </p:txBody>
+      </p:sp>
+    </p:spTree>
+    <p:extLst>
+      <p:ext uri="{BB962C8B-B14F-4D97-AF65-F5344CB8AC3E}">
+        <p14:creationId xmlns:p14="http://schemas.microsoft.com/office/powerpoint/2010/main" val="2081338043"/>
+      </p:ext>
+    </p:extLst>
+  </p:cSld>
+  <p:clrMapOvr>
+    <a:masterClrMapping/>
+  </p:clrMapOvr>
+</p:sld>
+</file>
+
+<file path=ppt/slides/slide3.xml><?xml version="1.0" encoding="utf-8"?>
+<p:sld xmlns:a="http://schemas.openxmlformats.org/drawingml/2006/main" xmlns:r="http://schemas.openxmlformats.org/officeDocument/2006/relationships" xmlns:p="http://schemas.openxmlformats.org/presentationml/2006/main">
+  <p:cSld>
+    <p:spTree>
+      <p:nvGrpSpPr>
+        <p:cNvPr id="1" name=""/>
+        <p:cNvGrpSpPr/>
+        <p:nvPr/>
+      </p:nvGrpSpPr>
+      <p:grpSpPr>
+        <a:xfrm>
+          <a:off x="0" y="0"/>
+          <a:ext cx="0" cy="0"/>
+          <a:chOff x="0" y="0"/>
+          <a:chExt cx="0" cy="0"/>
+        </a:xfrm>
+      </p:grpSpPr>
+      <p:sp>
+        <p:nvSpPr>
+          <p:cNvPr id="2" name="Text Placeholder 1">
+            <a:extLst>
+              <a:ext uri="{FF2B5EF4-FFF2-40B4-BE49-F238E27FC236}">
+                <a16:creationId xmlns:a16="http://schemas.microsoft.com/office/drawing/2014/main" id="{91DEF144-D57A-2244-BECD-E2EDFD9872F9}"/>
+              </a:ext>
+            </a:extLst>
+          </p:cNvPr>
+          <p:cNvSpPr>
+            <a:spLocks noGrp="1"/>
+          </p:cNvSpPr>
+          <p:nvPr>
+            <p:ph type="body" sz="quarter" idx="10"/>
+          </p:nvPr>
+        </p:nvSpPr>
+        <p:spPr/>
+        <p:txBody>
+          <a:bodyPr/>
+          <a:lstStyle/>
+          <a:p>
+            <a:endParaRPr lang="en-US"/>
+          </a:p>
+        </p:txBody>
+      </p:sp>
+      <p:sp>
+        <p:nvSpPr>
+          <p:cNvPr id="3" name="Title 2">
+            <a:extLst>
+              <a:ext uri="{FF2B5EF4-FFF2-40B4-BE49-F238E27FC236}">
+                <a16:creationId xmlns:a16="http://schemas.microsoft.com/office/drawing/2014/main" id="{D57E91AB-EF43-A543-9A8D-BC082B4C6987}"/>
+              </a:ext>
+            </a:extLst>
+          </p:cNvPr>
+          <p:cNvSpPr>
+            <a:spLocks noGrp="1"/>
+          </p:cNvSpPr>
+          <p:nvPr>
+            <p:ph type="title"/>
+          </p:nvPr>
+        </p:nvSpPr>
+        <p:spPr/>
+        <p:txBody>
+          <a:bodyPr/>
+          <a:lstStyle/>
+          <a:p>
+            <a:endParaRPr lang="en-US"/>
+          </a:p>
+        </p:txBody>
+      </p:sp>
+      <p:sp>
+        <p:nvSpPr>
+          <p:cNvPr id="4" name="TextBox 3">
+            <a:extLst>
+              <a:ext uri="{FF2B5EF4-FFF2-40B4-BE49-F238E27FC236}">
+                <a16:creationId xmlns:a16="http://schemas.microsoft.com/office/drawing/2014/main" id="{3C20AD18-E40E-144B-AA54-230198B8A47F}"/>
+              </a:ext>
+            </a:extLst>
+          </p:cNvPr>
+          <p:cNvSpPr txBox="1"/>
+          <p:nvPr/>
+        </p:nvSpPr>
+        <p:spPr>
+          <a:xfrm>
+            <a:off x="1095008" y="2171343"/>
+            <a:ext cx="5147187" cy="3693319"/>
+          </a:xfrm>
+          <a:prstGeom prst="rect">
+            <a:avLst/>
+          </a:prstGeom>
+          <a:noFill/>
+        </p:spPr>
+        <p:txBody>
+          <a:bodyPr wrap="square" rtlCol="0">
+            <a:spAutoFit/>
+          </a:bodyPr>
+          <a:lstStyle/>
+          <a:p>
+            <a:r>
+              <a:rPr lang="en-GB" b="1" dirty="0">
+                <a:solidFill>
+                  <a:schemeClr val="bg1"/>
+                </a:solidFill>
+              </a:rPr>
+              <a:t>Data </a:t>
+            </a:r>
+          </a:p>
+          <a:p>
+            <a:r>
+              <a:rPr lang="en-GB" dirty="0">
+                <a:solidFill>
+                  <a:schemeClr val="bg1"/>
+                </a:solidFill>
+              </a:rPr>
+              <a:t>For EU ETS market I have scraped real time daily data from </a:t>
+            </a:r>
+            <a:r>
+              <a:rPr lang="en-GB" dirty="0">
+                <a:solidFill>
+                  <a:schemeClr val="bg1"/>
+                </a:solidFill>
+                <a:hlinkClick r:id="rId2">
+                  <a:extLst>
+                    <a:ext uri="{A12FA001-AC4F-418D-AE19-62706E023703}">
+                      <ahyp:hlinkClr xmlns:ahyp="http://schemas.microsoft.com/office/drawing/2018/hyperlinkcolor" val="tx"/>
+                    </a:ext>
+                  </a:extLst>
+                </a:hlinkClick>
+              </a:rPr>
+              <a:t>https://ember-climate.org/data/carbon-price-viewer/</a:t>
+            </a:r>
+            <a:endParaRPr lang="en-GB" dirty="0">
+              <a:solidFill>
+                <a:schemeClr val="bg1"/>
+              </a:solidFill>
+            </a:endParaRPr>
+          </a:p>
+          <a:p>
+            <a:r>
+              <a:rPr lang="en-GB" dirty="0">
+                <a:solidFill>
+                  <a:schemeClr val="bg1"/>
+                </a:solidFill>
+              </a:rPr>
+              <a:t>For the rest of the world I have used historical World Bank Data </a:t>
+            </a:r>
+            <a:r>
+              <a:rPr lang="en-GB" dirty="0">
+                <a:solidFill>
+                  <a:schemeClr val="bg1"/>
+                </a:solidFill>
+                <a:hlinkClick r:id="rId3">
+                  <a:extLst>
+                    <a:ext uri="{A12FA001-AC4F-418D-AE19-62706E023703}">
+                      <ahyp:hlinkClr xmlns:ahyp="http://schemas.microsoft.com/office/drawing/2018/hyperlinkcolor" val="tx"/>
+                    </a:ext>
+                  </a:extLst>
+                </a:hlinkClick>
+              </a:rPr>
+              <a:t>https://carbonpricingdashboard.worldbank.org/map_data</a:t>
+            </a:r>
+            <a:endParaRPr lang="en-GB" dirty="0">
+              <a:solidFill>
+                <a:schemeClr val="bg1"/>
+              </a:solidFill>
+            </a:endParaRPr>
+          </a:p>
+          <a:p>
+            <a:endParaRPr lang="en-GB" dirty="0">
+              <a:solidFill>
+                <a:schemeClr val="bg1"/>
+              </a:solidFill>
+            </a:endParaRPr>
+          </a:p>
+          <a:p>
+            <a:r>
+              <a:rPr lang="en-GB" b="1" dirty="0">
+                <a:solidFill>
+                  <a:schemeClr val="bg1"/>
+                </a:solidFill>
+              </a:rPr>
+              <a:t>Methodology </a:t>
+            </a:r>
+          </a:p>
+          <a:p>
+            <a:r>
+              <a:rPr lang="en-GB" b="1" dirty="0">
+                <a:solidFill>
+                  <a:schemeClr val="bg1"/>
+                </a:solidFill>
+              </a:rPr>
+              <a:t>Carbon price estimation </a:t>
+            </a:r>
+          </a:p>
+          <a:p>
+            <a:r>
+              <a:rPr lang="en-GB" dirty="0">
+                <a:solidFill>
+                  <a:schemeClr val="bg1"/>
+                </a:solidFill>
+              </a:rPr>
+              <a:t>I have estimated </a:t>
+            </a:r>
+            <a:r>
+              <a:rPr lang="en-GB" b="1" dirty="0">
+                <a:solidFill>
+                  <a:schemeClr val="bg1"/>
+                </a:solidFill>
+              </a:rPr>
+              <a:t>price per ton</a:t>
+            </a:r>
+            <a:r>
+              <a:rPr lang="en-GB" dirty="0">
+                <a:solidFill>
+                  <a:schemeClr val="bg1"/>
+                </a:solidFill>
+              </a:rPr>
+              <a:t> dividing total value brought in taxes by the amount of emissions covered.</a:t>
+            </a:r>
+          </a:p>
+          <a:p>
+            <a:r>
+              <a:rPr lang="en-GB" dirty="0">
+                <a:solidFill>
+                  <a:schemeClr val="bg1"/>
+                </a:solidFill>
+              </a:rPr>
+              <a:t>For countries that did not have such information I have decided to impute the data with the regional mean.</a:t>
+            </a:r>
+          </a:p>
+        </p:txBody>
+      </p:sp>
+    </p:spTree>
+    <p:extLst>
+      <p:ext uri="{BB962C8B-B14F-4D97-AF65-F5344CB8AC3E}">
+        <p14:creationId xmlns:p14="http://schemas.microsoft.com/office/powerpoint/2010/main" val="2713675331"/>
+      </p:ext>
+    </p:extLst>
+  </p:cSld>
+  <p:clrMapOvr>
+    <a:masterClrMapping/>
+  </p:clrMapOvr>
+</p:sld>
+</file>
+
+<file path=ppt/slides/slide4.xml><?xml version="1.0" encoding="utf-8"?>
+<p:sld xmlns:a="http://schemas.openxmlformats.org/drawingml/2006/main" xmlns:r="http://schemas.openxmlformats.org/officeDocument/2006/relationships" xmlns:p="http://schemas.openxmlformats.org/presentationml/2006/main">
+  <p:cSld>
+    <p:spTree>
+      <p:nvGrpSpPr>
+        <p:cNvPr id="1" name=""/>
+        <p:cNvGrpSpPr/>
+        <p:nvPr/>
+      </p:nvGrpSpPr>
+      <p:grpSpPr>
+        <a:xfrm>
+          <a:off x="0" y="0"/>
+          <a:ext cx="0" cy="0"/>
+          <a:chOff x="0" y="0"/>
+          <a:chExt cx="0" cy="0"/>
+        </a:xfrm>
+      </p:grpSpPr>
+      <p:sp>
+        <p:nvSpPr>
+          <p:cNvPr id="2" name="Text Placeholder 1">
+            <a:extLst>
+              <a:ext uri="{FF2B5EF4-FFF2-40B4-BE49-F238E27FC236}">
+                <a16:creationId xmlns:a16="http://schemas.microsoft.com/office/drawing/2014/main" id="{91DEF144-D57A-2244-BECD-E2EDFD9872F9}"/>
+              </a:ext>
+            </a:extLst>
+          </p:cNvPr>
+          <p:cNvSpPr>
+            <a:spLocks noGrp="1"/>
+          </p:cNvSpPr>
+          <p:nvPr>
+            <p:ph type="body" sz="quarter" idx="10"/>
+          </p:nvPr>
+        </p:nvSpPr>
+        <p:spPr/>
+        <p:txBody>
+          <a:bodyPr/>
+          <a:lstStyle/>
+          <a:p>
+            <a:endParaRPr lang="en-US"/>
+          </a:p>
+        </p:txBody>
+      </p:sp>
+      <p:sp>
+        <p:nvSpPr>
+          <p:cNvPr id="3" name="Title 2">
+            <a:extLst>
+              <a:ext uri="{FF2B5EF4-FFF2-40B4-BE49-F238E27FC236}">
+                <a16:creationId xmlns:a16="http://schemas.microsoft.com/office/drawing/2014/main" id="{D57E91AB-EF43-A543-9A8D-BC082B4C6987}"/>
+              </a:ext>
+            </a:extLst>
+          </p:cNvPr>
+          <p:cNvSpPr>
+            <a:spLocks noGrp="1"/>
+          </p:cNvSpPr>
+          <p:nvPr>
+            <p:ph type="title"/>
+          </p:nvPr>
+        </p:nvSpPr>
+        <p:spPr/>
+        <p:txBody>
+          <a:bodyPr/>
+          <a:lstStyle/>
+          <a:p>
+            <a:endParaRPr lang="en-US"/>
+          </a:p>
+        </p:txBody>
+      </p:sp>
+      <p:sp>
+        <p:nvSpPr>
+          <p:cNvPr id="4" name="TextBox 3">
+            <a:extLst>
+              <a:ext uri="{FF2B5EF4-FFF2-40B4-BE49-F238E27FC236}">
+                <a16:creationId xmlns:a16="http://schemas.microsoft.com/office/drawing/2014/main" id="{3C20AD18-E40E-144B-AA54-230198B8A47F}"/>
+              </a:ext>
+            </a:extLst>
+          </p:cNvPr>
+          <p:cNvSpPr txBox="1"/>
+          <p:nvPr/>
+        </p:nvSpPr>
+        <p:spPr>
+          <a:xfrm>
+            <a:off x="1095008" y="2171343"/>
+            <a:ext cx="5147187" cy="6186309"/>
+          </a:xfrm>
+          <a:prstGeom prst="rect">
+            <a:avLst/>
+          </a:prstGeom>
+          <a:noFill/>
+        </p:spPr>
+        <p:txBody>
+          <a:bodyPr wrap="square" rtlCol="0">
+            <a:spAutoFit/>
+          </a:bodyPr>
+          <a:lstStyle/>
+          <a:p>
+            <a:r>
+              <a:rPr lang="en-GB" b="1" dirty="0">
+                <a:solidFill>
+                  <a:schemeClr val="bg1"/>
+                </a:solidFill>
+              </a:rPr>
+              <a:t>Model </a:t>
+            </a:r>
+          </a:p>
+          <a:p>
+            <a:r>
+              <a:rPr lang="en-GB" dirty="0">
+                <a:solidFill>
+                  <a:schemeClr val="bg1"/>
+                </a:solidFill>
+              </a:rPr>
+              <a:t>This is a very simple model which does not use ML analysis, but it was created given the time constraint. This can be taken as a base on which we can build a more advanced tool.</a:t>
+            </a:r>
+          </a:p>
+          <a:p>
+            <a:endParaRPr lang="en-GB" dirty="0">
+              <a:solidFill>
+                <a:schemeClr val="bg1"/>
+              </a:solidFill>
+            </a:endParaRPr>
+          </a:p>
+          <a:p>
+            <a:r>
+              <a:rPr lang="en-GB" b="1" dirty="0">
+                <a:solidFill>
+                  <a:schemeClr val="bg1"/>
+                </a:solidFill>
+              </a:rPr>
+              <a:t>Further Development Suggestions </a:t>
+            </a:r>
+          </a:p>
+          <a:p>
+            <a:r>
+              <a:rPr lang="en-GB" dirty="0">
+                <a:solidFill>
+                  <a:schemeClr val="bg1"/>
+                </a:solidFill>
+              </a:rPr>
+              <a:t>Use </a:t>
+            </a:r>
+            <a:r>
+              <a:rPr lang="en-GB" b="1" dirty="0">
+                <a:solidFill>
+                  <a:schemeClr val="bg1"/>
+                </a:solidFill>
+              </a:rPr>
+              <a:t>KNN</a:t>
+            </a:r>
+            <a:r>
+              <a:rPr lang="en-GB" dirty="0">
+                <a:solidFill>
+                  <a:schemeClr val="bg1"/>
+                </a:solidFill>
+              </a:rPr>
+              <a:t> or other classifier to better approximate carbon price for each country</a:t>
+            </a:r>
+          </a:p>
+          <a:p>
+            <a:r>
+              <a:rPr lang="en-GB" dirty="0">
+                <a:solidFill>
+                  <a:schemeClr val="bg1"/>
+                </a:solidFill>
+              </a:rPr>
+              <a:t>Use </a:t>
+            </a:r>
+            <a:r>
+              <a:rPr lang="en-GB" b="1" dirty="0">
+                <a:solidFill>
+                  <a:schemeClr val="bg1"/>
+                </a:solidFill>
+              </a:rPr>
+              <a:t>regression analysis</a:t>
+            </a:r>
+            <a:r>
+              <a:rPr lang="en-GB" dirty="0">
+                <a:solidFill>
+                  <a:schemeClr val="bg1"/>
+                </a:solidFill>
+              </a:rPr>
+              <a:t> to estimate the amount of GHG emissions for a company if there is no such data for a company based on the country, region, industry and other factors</a:t>
+            </a:r>
+          </a:p>
+          <a:p>
+            <a:endParaRPr lang="en-GB" dirty="0">
+              <a:solidFill>
+                <a:schemeClr val="bg1"/>
+              </a:solidFill>
+            </a:endParaRPr>
+          </a:p>
+          <a:p>
+            <a:r>
+              <a:rPr lang="en-GB" dirty="0">
+                <a:solidFill>
+                  <a:schemeClr val="bg1"/>
+                </a:solidFill>
+              </a:rPr>
+              <a:t>Create an </a:t>
+            </a:r>
+            <a:r>
+              <a:rPr lang="en-GB" b="1" dirty="0">
+                <a:solidFill>
+                  <a:schemeClr val="bg1"/>
+                </a:solidFill>
+              </a:rPr>
+              <a:t>Environmental Score</a:t>
+            </a:r>
+            <a:r>
+              <a:rPr lang="en-GB" dirty="0">
+                <a:solidFill>
+                  <a:schemeClr val="bg1"/>
+                </a:solidFill>
+              </a:rPr>
+              <a:t> that would include other taxes and </a:t>
+            </a:r>
+            <a:r>
+              <a:rPr lang="en-GB" dirty="0" err="1">
+                <a:solidFill>
+                  <a:schemeClr val="bg1"/>
+                </a:solidFill>
+              </a:rPr>
+              <a:t>envrionmental</a:t>
+            </a:r>
+            <a:r>
+              <a:rPr lang="en-GB" dirty="0">
+                <a:solidFill>
+                  <a:schemeClr val="bg1"/>
+                </a:solidFill>
+              </a:rPr>
+              <a:t> physical risks</a:t>
+            </a:r>
+          </a:p>
+          <a:p>
+            <a:r>
+              <a:rPr lang="en-GB" dirty="0">
+                <a:solidFill>
+                  <a:schemeClr val="bg1"/>
+                </a:solidFill>
+              </a:rPr>
+              <a:t>Currently the model is punitive to companies which are based in the countries with higher carbon price, this might not be fair. We can create a </a:t>
+            </a:r>
+            <a:r>
+              <a:rPr lang="en-GB" b="1" dirty="0">
+                <a:solidFill>
+                  <a:schemeClr val="bg1"/>
+                </a:solidFill>
+              </a:rPr>
+              <a:t>weighted estimate</a:t>
+            </a:r>
+            <a:r>
+              <a:rPr lang="en-GB" dirty="0">
+                <a:solidFill>
+                  <a:schemeClr val="bg1"/>
+                </a:solidFill>
+              </a:rPr>
+              <a:t> for carbon price instead of a nominal one</a:t>
+            </a:r>
+          </a:p>
+          <a:p>
+            <a:r>
+              <a:rPr lang="en-GB" dirty="0">
+                <a:solidFill>
+                  <a:schemeClr val="bg1"/>
+                </a:solidFill>
+              </a:rPr>
+              <a:t>Test for measures that increase the "Environmental Tax Score"</a:t>
+            </a:r>
+          </a:p>
+        </p:txBody>
+      </p:sp>
+    </p:spTree>
+    <p:extLst>
+      <p:ext uri="{BB962C8B-B14F-4D97-AF65-F5344CB8AC3E}">
+        <p14:creationId xmlns:p14="http://schemas.microsoft.com/office/powerpoint/2010/main" val="3103667553"/>
+      </p:ext>
+    </p:extLst>
+  </p:cSld>
+  <p:clrMapOvr>
+    <a:masterClrMapping/>
+  </p:clrMapOvr>
+</p:sld>
+</file>
+
 <file path=ppt/theme/theme1.xml><?xml version="1.0" encoding="utf-8"?>
 <a:theme xmlns:a="http://schemas.openxmlformats.org/drawingml/2006/main" name="InfographicsPoster_Tech_v1_mo">
   <a:themeElements>
@@ -12388,23 +12870,6 @@
 </file>
 
 <file path=customXml/item1.xml><?xml version="1.0" encoding="utf-8"?>
-<p:properties xmlns:p="http://schemas.microsoft.com/office/2006/metadata/properties" xmlns:xsi="http://www.w3.org/2001/XMLSchema-instance" xmlns:pc="http://schemas.microsoft.com/office/infopath/2007/PartnerControls">
-  <documentManagement>
-    <MediaServiceKeyPoints xmlns="71af3243-3dd4-4a8d-8c0d-dd76da1f02a5" xsi:nil="true"/>
-  </documentManagement>
-</p:properties>
-</file>
-
-<file path=customXml/item2.xml><?xml version="1.0" encoding="utf-8"?>
-<?mso-contentType ?>
-<FormTemplates xmlns="http://schemas.microsoft.com/sharepoint/v3/contenttype/forms">
-  <Display>DocumentLibraryForm</Display>
-  <Edit>DocumentLibraryForm</Edit>
-  <New>DocumentLibraryForm</New>
-</FormTemplates>
-</file>
-
-<file path=customXml/item3.xml><?xml version="1.0" encoding="utf-8"?>
 <ct:contentTypeSchema xmlns:ct="http://schemas.microsoft.com/office/2006/metadata/contentType" xmlns:ma="http://schemas.microsoft.com/office/2006/metadata/properties/metaAttributes" ct:_="" ma:_="" ma:contentTypeName="Document" ma:contentTypeID="0x01010079F111ED35F8CC479449609E8A0923A6" ma:contentTypeVersion="11" ma:contentTypeDescription="Create a new document." ma:contentTypeScope="" ma:versionID="96291512c1ee715ab617f4c07df79fc1">
   <xsd:schema xmlns:xsd="http://www.w3.org/2001/XMLSchema" xmlns:xs="http://www.w3.org/2001/XMLSchema" xmlns:p="http://schemas.microsoft.com/office/2006/metadata/properties" xmlns:ns2="71af3243-3dd4-4a8d-8c0d-dd76da1f02a5" xmlns:ns3="16c05727-aa75-4e4a-9b5f-8a80a1165891" targetNamespace="http://schemas.microsoft.com/office/2006/metadata/properties" ma:root="true" ma:fieldsID="8256c27c40ca5c40ce1cf6c44f0205df" ns2:_="" ns3:_="">
     <xsd:import namespace="71af3243-3dd4-4a8d-8c0d-dd76da1f02a5"/>
@@ -12615,25 +13080,24 @@
 </ct:contentTypeSchema>
 </file>
 
-<file path=customXml/itemProps1.xml><?xml version="1.0" encoding="utf-8"?>
-<ds:datastoreItem xmlns:ds="http://schemas.openxmlformats.org/officeDocument/2006/customXml" ds:itemID="{E0CA591A-B9FA-47BD-A1F6-0A218B01BC5E}">
-  <ds:schemaRefs>
-    <ds:schemaRef ds:uri="http://schemas.microsoft.com/office/2006/metadata/properties"/>
-    <ds:schemaRef ds:uri="http://schemas.microsoft.com/office/infopath/2007/PartnerControls"/>
-    <ds:schemaRef ds:uri="71af3243-3dd4-4a8d-8c0d-dd76da1f02a5"/>
-  </ds:schemaRefs>
-</ds:datastoreItem>
+<file path=customXml/item2.xml><?xml version="1.0" encoding="utf-8"?>
+<?mso-contentType ?>
+<FormTemplates xmlns="http://schemas.microsoft.com/sharepoint/v3/contenttype/forms">
+  <Display>DocumentLibraryForm</Display>
+  <Edit>DocumentLibraryForm</Edit>
+  <New>DocumentLibraryForm</New>
+</FormTemplates>
 </file>
 
-<file path=customXml/itemProps2.xml><?xml version="1.0" encoding="utf-8"?>
-<ds:datastoreItem xmlns:ds="http://schemas.openxmlformats.org/officeDocument/2006/customXml" ds:itemID="{64143643-2CC1-40E8-8F96-3A622E5C8725}">
-  <ds:schemaRefs>
-    <ds:schemaRef ds:uri="http://schemas.microsoft.com/sharepoint/v3/contenttype/forms"/>
-  </ds:schemaRefs>
-</ds:datastoreItem>
+<file path=customXml/item3.xml><?xml version="1.0" encoding="utf-8"?>
+<p:properties xmlns:p="http://schemas.microsoft.com/office/2006/metadata/properties" xmlns:xsi="http://www.w3.org/2001/XMLSchema-instance" xmlns:pc="http://schemas.microsoft.com/office/infopath/2007/PartnerControls">
+  <documentManagement>
+    <MediaServiceKeyPoints xmlns="71af3243-3dd4-4a8d-8c0d-dd76da1f02a5" xsi:nil="true"/>
+  </documentManagement>
+</p:properties>
 </file>
 
-<file path=customXml/itemProps3.xml><?xml version="1.0" encoding="utf-8"?>
+<file path=customXml/itemProps1.xml><?xml version="1.0" encoding="utf-8"?>
 <ds:datastoreItem xmlns:ds="http://schemas.openxmlformats.org/officeDocument/2006/customXml" ds:itemID="{9BC39D06-EEDE-42A2-B3BB-C660DC8711B5}">
   <ds:schemaRefs>
     <ds:schemaRef ds:uri="http://schemas.microsoft.com/office/2006/metadata/contentType"/>
@@ -12650,4 +13114,22 @@
     <ds:schemaRef ds:uri="http://schemas.microsoft.com/internal/obd"/>
   </ds:schemaRefs>
 </ds:datastoreItem>
+</file>
+
+<file path=customXml/itemProps2.xml><?xml version="1.0" encoding="utf-8"?>
+<ds:datastoreItem xmlns:ds="http://schemas.openxmlformats.org/officeDocument/2006/customXml" ds:itemID="{64143643-2CC1-40E8-8F96-3A622E5C8725}">
+  <ds:schemaRefs>
+    <ds:schemaRef ds:uri="http://schemas.microsoft.com/sharepoint/v3/contenttype/forms"/>
+  </ds:schemaRefs>
+</ds:datastoreItem>
+</file>
+
+<file path=customXml/itemProps3.xml><?xml version="1.0" encoding="utf-8"?>
+<ds:datastoreItem xmlns:ds="http://schemas.openxmlformats.org/officeDocument/2006/customXml" ds:itemID="{E0CA591A-B9FA-47BD-A1F6-0A218B01BC5E}">
+  <ds:schemaRefs>
+    <ds:schemaRef ds:uri="http://schemas.microsoft.com/office/2006/metadata/properties"/>
+    <ds:schemaRef ds:uri="http://schemas.microsoft.com/office/infopath/2007/PartnerControls"/>
+    <ds:schemaRef ds:uri="71af3243-3dd4-4a8d-8c0d-dd76da1f02a5"/>
+  </ds:schemaRefs>
+</ds:datastoreItem>
 </file>